--- a/experiments/exp1/tree-vs-direct-10000.pptx
+++ b/experiments/exp1/tree-vs-direct-10000.pptx
@@ -232,7 +232,7 @@
                   <c:v>3.25962875</c:v>
                 </c:pt>
                 <c:pt idx="4">
-                  <c:v>5.052425</c:v>
+                  <c:v>5.052424999999998</c:v>
                 </c:pt>
                 <c:pt idx="5">
                   <c:v>9.778887300000001</c:v>
@@ -244,7 +244,7 @@
                   <c:v>37.1597702</c:v>
                 </c:pt>
                 <c:pt idx="8">
-                  <c:v>73.66761499999998</c:v>
+                  <c:v>73.667615</c:v>
                 </c:pt>
                 <c:pt idx="9">
                   <c:v>146.683306</c:v>
@@ -387,11 +387,11 @@
           <c:showBubbleSize val="0"/>
         </c:dLbls>
         <c:smooth val="0"/>
-        <c:axId val="-1995465424"/>
-        <c:axId val="-2104530800"/>
+        <c:axId val="-1970632592"/>
+        <c:axId val="-1970629280"/>
       </c:lineChart>
       <c:catAx>
-        <c:axId val="-1995465424"/>
+        <c:axId val="-1970632592"/>
         <c:scaling>
           <c:orientation val="minMax"/>
         </c:scaling>
@@ -431,7 +431,7 @@
             <a:endParaRPr lang="en-US"/>
           </a:p>
         </c:txPr>
-        <c:crossAx val="-2104530800"/>
+        <c:crossAx val="-1970629280"/>
         <c:crosses val="autoZero"/>
         <c:auto val="1"/>
         <c:lblAlgn val="ctr"/>
@@ -439,7 +439,7 @@
         <c:noMultiLvlLbl val="0"/>
       </c:catAx>
       <c:valAx>
-        <c:axId val="-2104530800"/>
+        <c:axId val="-1970629280"/>
         <c:scaling>
           <c:orientation val="minMax"/>
         </c:scaling>
@@ -479,13 +479,18 @@
                   </a:defRPr>
                 </a:pPr>
                 <a:r>
-                  <a:rPr lang="en-US" sz="1100">
+                  <a:rPr lang="en-US" sz="1100" smtClean="0">
                     <a:latin typeface="Times New Roman" charset="0"/>
                     <a:ea typeface="Times New Roman" charset="0"/>
                     <a:cs typeface="Times New Roman" charset="0"/>
                   </a:rPr>
-                  <a:t>Seconds</a:t>
+                  <a:t>Time (Seconds)</a:t>
                 </a:r>
+                <a:endParaRPr lang="en-US" sz="1100">
+                  <a:latin typeface="Times New Roman" charset="0"/>
+                  <a:ea typeface="Times New Roman" charset="0"/>
+                  <a:cs typeface="Times New Roman" charset="0"/>
+                </a:endParaRPr>
               </a:p>
             </c:rich>
           </c:tx>
@@ -547,7 +552,7 @@
             <a:endParaRPr lang="en-US"/>
           </a:p>
         </c:txPr>
-        <c:crossAx val="-1995465424"/>
+        <c:crossAx val="-1970632592"/>
         <c:crosses val="autoZero"/>
         <c:crossBetween val="between"/>
       </c:valAx>
@@ -1285,7 +1290,15 @@
               <a:ea typeface="Times New Roman" charset="0"/>
               <a:cs typeface="Times New Roman" charset="0"/>
             </a:rPr>
-            <a:t>Number of Nodes</a:t>
+            <a:t>Size of Data </a:t>
+          </a:r>
+          <a:r>
+            <a:rPr lang="en-US" sz="1100" smtClean="0">
+              <a:latin typeface="Times New Roman" charset="0"/>
+              <a:ea typeface="Times New Roman" charset="0"/>
+              <a:cs typeface="Times New Roman" charset="0"/>
+            </a:rPr>
+            <a:t>(Kbytes)</a:t>
           </a:r>
           <a:endParaRPr lang="en-US" sz="1100" dirty="0">
             <a:latin typeface="Times New Roman" charset="0"/>
@@ -4169,7 +4182,7 @@
           <p:nvPr>
             <p:extLst>
               <p:ext uri="{D42A27DB-BD31-4B8C-83A1-F6EECF244321}">
-                <p14:modId xmlns:p14="http://schemas.microsoft.com/office/powerpoint/2010/main" val="845563291"/>
+                <p14:modId xmlns:p14="http://schemas.microsoft.com/office/powerpoint/2010/main" val="146533149"/>
               </p:ext>
             </p:extLst>
           </p:nvPr>
